--- a/PublicFinance/thuyet trinh/FIN1126E.B03E - 03 - BaiThuyetTrinh.pptx
+++ b/PublicFinance/thuyet trinh/FIN1126E.B03E - 03 - BaiThuyetTrinh.pptx
@@ -922,7 +922,7 @@
         <a:lstStyle/>
         <a:p>
           <a:r>
-            <a:rPr lang="en-US" b="1" dirty="0" smtClean="0">
+            <a:rPr lang="en-US" b="1" dirty="0">
               <a:solidFill>
                 <a:srgbClr val="7030A0"/>
               </a:solidFill>
@@ -932,14 +932,13 @@
         </a:p>
         <a:p>
           <a:r>
-            <a:rPr lang="en-US" b="1" dirty="0" smtClean="0"/>
+            <a:rPr lang="en-US" b="1" dirty="0"/>
             <a:t>Decide the funding </a:t>
           </a:r>
           <a:r>
-            <a:rPr lang="en-US" dirty="0" smtClean="0"/>
+            <a:rPr lang="en-US" dirty="0"/>
             <a:t>of the Bureaucracy</a:t>
           </a:r>
-          <a:endParaRPr lang="en-US" dirty="0"/>
         </a:p>
       </dgm:t>
     </dgm:pt>
@@ -989,7 +988,7 @@
         <a:p>
           <a:pPr algn="ctr"/>
           <a:r>
-            <a:rPr lang="en-US" b="1" dirty="0" smtClean="0">
+            <a:rPr lang="en-US" b="1" dirty="0">
               <a:solidFill>
                 <a:srgbClr val="7030A0"/>
               </a:solidFill>
@@ -997,17 +996,16 @@
             <a:t>Bureaucracy</a:t>
           </a:r>
           <a:r>
-            <a:rPr lang="en-US" b="1" dirty="0" smtClean="0"/>
+            <a:rPr lang="en-US" b="1" dirty="0"/>
             <a:t> </a:t>
           </a:r>
         </a:p>
         <a:p>
           <a:pPr algn="ctr"/>
           <a:r>
-            <a:rPr lang="en-US" dirty="0" smtClean="0"/>
+            <a:rPr lang="en-US" dirty="0"/>
             <a:t>organizations of civil servants. Has monopoly on a service</a:t>
           </a:r>
-          <a:endParaRPr lang="en-US" dirty="0"/>
         </a:p>
       </dgm:t>
     </dgm:pt>
@@ -1046,13 +1044,6 @@
     <dgm:pt modelId="{03980DD7-BB0B-46F4-AD35-132FD6890847}" type="pres">
       <dgm:prSet presAssocID="{1F3B60F6-3CC4-4898-B8AB-45C0F4589630}" presName="wedge1" presStyleLbl="node1" presStyleIdx="0" presStyleCnt="2"/>
       <dgm:spPr/>
-      <dgm:t>
-        <a:bodyPr/>
-        <a:lstStyle/>
-        <a:p>
-          <a:endParaRPr lang="en-US"/>
-        </a:p>
-      </dgm:t>
     </dgm:pt>
     <dgm:pt modelId="{78AF76F2-17F8-49F1-AB94-89436C88386B}" type="pres">
       <dgm:prSet presAssocID="{1F3B60F6-3CC4-4898-B8AB-45C0F4589630}" presName="dummy1a" presStyleCnt="0"/>
@@ -1071,24 +1062,10 @@
         </dgm:presLayoutVars>
       </dgm:prSet>
       <dgm:spPr/>
-      <dgm:t>
-        <a:bodyPr/>
-        <a:lstStyle/>
-        <a:p>
-          <a:endParaRPr lang="en-US"/>
-        </a:p>
-      </dgm:t>
     </dgm:pt>
     <dgm:pt modelId="{A3F540ED-9199-4EFE-AACC-4C18B2F190FC}" type="pres">
       <dgm:prSet presAssocID="{1F3B60F6-3CC4-4898-B8AB-45C0F4589630}" presName="wedge2" presStyleLbl="node1" presStyleIdx="1" presStyleCnt="2"/>
       <dgm:spPr/>
-      <dgm:t>
-        <a:bodyPr/>
-        <a:lstStyle/>
-        <a:p>
-          <a:endParaRPr lang="en-US"/>
-        </a:p>
-      </dgm:t>
     </dgm:pt>
     <dgm:pt modelId="{D01E1D4B-D449-47F9-8274-AE6CCBE8EB83}" type="pres">
       <dgm:prSet presAssocID="{1F3B60F6-3CC4-4898-B8AB-45C0F4589630}" presName="dummy2a" presStyleCnt="0"/>
@@ -1107,13 +1084,6 @@
         </dgm:presLayoutVars>
       </dgm:prSet>
       <dgm:spPr/>
-      <dgm:t>
-        <a:bodyPr/>
-        <a:lstStyle/>
-        <a:p>
-          <a:endParaRPr lang="en-US"/>
-        </a:p>
-      </dgm:t>
     </dgm:pt>
     <dgm:pt modelId="{DD2EE0C2-0673-47D4-91FD-08A2CD6C84EC}" type="pres">
       <dgm:prSet presAssocID="{BB70627A-DA97-4B9A-A59A-9DD5A5380A19}" presName="arrowWedge1" presStyleLbl="fgSibTrans2D1" presStyleIdx="0" presStyleCnt="2"/>
@@ -1125,12 +1095,12 @@
     </dgm:pt>
   </dgm:ptLst>
   <dgm:cxnLst>
-    <dgm:cxn modelId="{AE8E093F-D8C8-4D5D-8196-2B7CF438EFAA}" type="presOf" srcId="{EA0730C9-9380-41DF-B0D7-2DA42B4E5386}" destId="{A3F540ED-9199-4EFE-AACC-4C18B2F190FC}" srcOrd="0" destOrd="0" presId="urn:microsoft.com/office/officeart/2005/8/layout/cycle8"/>
+    <dgm:cxn modelId="{26AB3C07-58C1-4BA6-B441-C4C305C3AE6A}" srcId="{1F3B60F6-3CC4-4898-B8AB-45C0F4589630}" destId="{EA0730C9-9380-41DF-B0D7-2DA42B4E5386}" srcOrd="1" destOrd="0" parTransId="{4145C16A-5FD2-4D84-91C6-66AF8687E55F}" sibTransId="{AA118F55-3914-436C-9E29-03C80D024A74}"/>
+    <dgm:cxn modelId="{01D1BD25-78BB-4A85-A007-353937E07FD6}" type="presOf" srcId="{4A1615F6-7FD6-42B2-9EB3-AF19859935AA}" destId="{03980DD7-BB0B-46F4-AD35-132FD6890847}" srcOrd="0" destOrd="0" presId="urn:microsoft.com/office/officeart/2005/8/layout/cycle8"/>
     <dgm:cxn modelId="{A4EC0327-FB1D-4B06-B9B7-0CB643727433}" type="presOf" srcId="{EA0730C9-9380-41DF-B0D7-2DA42B4E5386}" destId="{4CCD744D-A1CB-4583-8682-2F644846D669}" srcOrd="1" destOrd="0" presId="urn:microsoft.com/office/officeart/2005/8/layout/cycle8"/>
     <dgm:cxn modelId="{9A3F722C-4016-421B-8F01-3EED37E2CDFE}" type="presOf" srcId="{1F3B60F6-3CC4-4898-B8AB-45C0F4589630}" destId="{9BAE584E-7F72-4890-A5DE-ACC29474C98A}" srcOrd="0" destOrd="0" presId="urn:microsoft.com/office/officeart/2005/8/layout/cycle8"/>
+    <dgm:cxn modelId="{AE8E093F-D8C8-4D5D-8196-2B7CF438EFAA}" type="presOf" srcId="{EA0730C9-9380-41DF-B0D7-2DA42B4E5386}" destId="{A3F540ED-9199-4EFE-AACC-4C18B2F190FC}" srcOrd="0" destOrd="0" presId="urn:microsoft.com/office/officeart/2005/8/layout/cycle8"/>
     <dgm:cxn modelId="{DE6FC7CC-0F55-4410-B05D-13D8CCF77E1E}" srcId="{1F3B60F6-3CC4-4898-B8AB-45C0F4589630}" destId="{4A1615F6-7FD6-42B2-9EB3-AF19859935AA}" srcOrd="0" destOrd="0" parTransId="{68363297-18A1-41C2-8537-A7454C045A3B}" sibTransId="{BB70627A-DA97-4B9A-A59A-9DD5A5380A19}"/>
-    <dgm:cxn modelId="{26AB3C07-58C1-4BA6-B441-C4C305C3AE6A}" srcId="{1F3B60F6-3CC4-4898-B8AB-45C0F4589630}" destId="{EA0730C9-9380-41DF-B0D7-2DA42B4E5386}" srcOrd="1" destOrd="0" parTransId="{4145C16A-5FD2-4D84-91C6-66AF8687E55F}" sibTransId="{AA118F55-3914-436C-9E29-03C80D024A74}"/>
-    <dgm:cxn modelId="{01D1BD25-78BB-4A85-A007-353937E07FD6}" type="presOf" srcId="{4A1615F6-7FD6-42B2-9EB3-AF19859935AA}" destId="{03980DD7-BB0B-46F4-AD35-132FD6890847}" srcOrd="0" destOrd="0" presId="urn:microsoft.com/office/officeart/2005/8/layout/cycle8"/>
     <dgm:cxn modelId="{0E0920FE-9CD8-4347-BFAF-7378523022DE}" type="presOf" srcId="{4A1615F6-7FD6-42B2-9EB3-AF19859935AA}" destId="{402FF1CB-B912-4287-B3B8-7B10AFF24878}" srcOrd="1" destOrd="0" presId="urn:microsoft.com/office/officeart/2005/8/layout/cycle8"/>
     <dgm:cxn modelId="{0BBED8D7-5D8A-4191-8DC0-5EB36CAC8614}" type="presParOf" srcId="{9BAE584E-7F72-4890-A5DE-ACC29474C98A}" destId="{03980DD7-BB0B-46F4-AD35-132FD6890847}" srcOrd="0" destOrd="0" presId="urn:microsoft.com/office/officeart/2005/8/layout/cycle8"/>
     <dgm:cxn modelId="{53512883-4E96-44A8-A7FD-63AA2BC425B8}" type="presParOf" srcId="{9BAE584E-7F72-4890-A5DE-ACC29474C98A}" destId="{78AF76F2-17F8-49F1-AB94-89436C88386B}" srcOrd="1" destOrd="0" presId="urn:microsoft.com/office/officeart/2005/8/layout/cycle8"/>
@@ -1209,7 +1179,7 @@
         </a:bodyPr>
         <a:lstStyle/>
         <a:p>
-          <a:pPr lvl="0" algn="ctr" defTabSz="1155700">
+          <a:pPr marL="0" lvl="0" indent="0" algn="ctr" defTabSz="1155700">
             <a:lnSpc>
               <a:spcPct val="90000"/>
             </a:lnSpc>
@@ -1219,9 +1189,10 @@
             <a:spcAft>
               <a:spcPct val="35000"/>
             </a:spcAft>
+            <a:buNone/>
           </a:pPr>
           <a:r>
-            <a:rPr lang="en-US" sz="2600" b="1" kern="1200" dirty="0" smtClean="0">
+            <a:rPr lang="en-US" sz="2600" b="1" kern="1200" dirty="0">
               <a:solidFill>
                 <a:srgbClr val="7030A0"/>
               </a:solidFill>
@@ -1230,7 +1201,7 @@
           </a:r>
         </a:p>
         <a:p>
-          <a:pPr lvl="0" algn="ctr" defTabSz="1155700">
+          <a:pPr marL="0" lvl="0" indent="0" algn="ctr" defTabSz="1155700">
             <a:lnSpc>
               <a:spcPct val="90000"/>
             </a:lnSpc>
@@ -1240,16 +1211,16 @@
             <a:spcAft>
               <a:spcPct val="35000"/>
             </a:spcAft>
+            <a:buNone/>
           </a:pPr>
           <a:r>
-            <a:rPr lang="en-US" sz="2600" b="1" kern="1200" dirty="0" smtClean="0"/>
+            <a:rPr lang="en-US" sz="2600" b="1" kern="1200" dirty="0"/>
             <a:t>Decide the funding </a:t>
           </a:r>
           <a:r>
-            <a:rPr lang="en-US" sz="2600" kern="1200" dirty="0" smtClean="0"/>
+            <a:rPr lang="en-US" sz="2600" kern="1200" dirty="0"/>
             <a:t>of the Bureaucracy</a:t>
           </a:r>
-          <a:endParaRPr lang="en-US" sz="2600" kern="1200" dirty="0"/>
         </a:p>
       </dsp:txBody>
       <dsp:txXfrm>
@@ -1305,7 +1276,7 @@
         </a:bodyPr>
         <a:lstStyle/>
         <a:p>
-          <a:pPr lvl="0" algn="ctr" defTabSz="1155700">
+          <a:pPr marL="0" lvl="0" indent="0" algn="ctr" defTabSz="1155700">
             <a:lnSpc>
               <a:spcPct val="90000"/>
             </a:lnSpc>
@@ -1315,9 +1286,10 @@
             <a:spcAft>
               <a:spcPct val="35000"/>
             </a:spcAft>
+            <a:buNone/>
           </a:pPr>
           <a:r>
-            <a:rPr lang="en-US" sz="2600" b="1" kern="1200" dirty="0" smtClean="0">
+            <a:rPr lang="en-US" sz="2600" b="1" kern="1200" dirty="0">
               <a:solidFill>
                 <a:srgbClr val="7030A0"/>
               </a:solidFill>
@@ -1325,12 +1297,12 @@
             <a:t>Bureaucracy</a:t>
           </a:r>
           <a:r>
-            <a:rPr lang="en-US" sz="2600" b="1" kern="1200" dirty="0" smtClean="0"/>
+            <a:rPr lang="en-US" sz="2600" b="1" kern="1200" dirty="0"/>
             <a:t> </a:t>
           </a:r>
         </a:p>
         <a:p>
-          <a:pPr lvl="0" algn="ctr" defTabSz="1155700">
+          <a:pPr marL="0" lvl="0" indent="0" algn="ctr" defTabSz="1155700">
             <a:lnSpc>
               <a:spcPct val="90000"/>
             </a:lnSpc>
@@ -1340,12 +1312,12 @@
             <a:spcAft>
               <a:spcPct val="35000"/>
             </a:spcAft>
+            <a:buNone/>
           </a:pPr>
           <a:r>
-            <a:rPr lang="en-US" sz="2600" kern="1200" dirty="0" smtClean="0"/>
+            <a:rPr lang="en-US" sz="2600" kern="1200" dirty="0"/>
             <a:t>organizations of civil servants. Has monopoly on a service</a:t>
           </a:r>
-          <a:endParaRPr lang="en-US" sz="2600" kern="1200" dirty="0"/>
         </a:p>
       </dsp:txBody>
       <dsp:txXfrm>
@@ -4335,7 +4307,7 @@
                 <a:ea typeface="FZShuTi" panose="02010601030101010101" charset="-122"/>
                 <a:cs typeface="FZShuTi" panose="02010601030101010101" charset="-122"/>
               </a:rPr>
-              <a:t>23/5/2022</a:t>
+              <a:t>5/24/22</a:t>
             </a:fld>
             <a:endParaRPr lang="en-US">
               <a:ea typeface="FZShuTi" panose="02010601030101010101" charset="-122"/>
@@ -4518,7 +4490,7 @@
           <a:p>
             <a:fld id="{60E844B7-AEDA-4A59-AC3B-58DCE39496B3}" type="datetimeFigureOut">
               <a:rPr lang="en-US" smtClean="0"/>
-              <a:t>23/5/2022</a:t>
+              <a:t>5/24/22</a:t>
             </a:fld>
             <a:endParaRPr lang="en-US"/>
           </a:p>
@@ -5339,7 +5311,7 @@
           <a:p>
             <a:fld id="{CD37833B-5468-4355-878F-3E565C720A35}" type="datetime1">
               <a:rPr lang="en-US" smtClean="0"/>
-              <a:t>23/5/2022</a:t>
+              <a:t>5/24/22</a:t>
             </a:fld>
             <a:endParaRPr lang="en-US"/>
           </a:p>
@@ -5502,7 +5474,7 @@
           <a:p>
             <a:fld id="{AF6D808C-889D-4CA6-AE34-8DE0420AF4DF}" type="datetime1">
               <a:rPr lang="en-US" smtClean="0"/>
-              <a:t>23/5/2022</a:t>
+              <a:t>5/24/22</a:t>
             </a:fld>
             <a:endParaRPr lang="en-US"/>
           </a:p>
@@ -5675,7 +5647,7 @@
           <a:p>
             <a:fld id="{E5DBD9E5-903C-412F-AE65-759BDCB12370}" type="datetime1">
               <a:rPr lang="en-US" smtClean="0"/>
-              <a:t>23/5/2022</a:t>
+              <a:t>5/24/22</a:t>
             </a:fld>
             <a:endParaRPr lang="en-US"/>
           </a:p>
@@ -5838,7 +5810,7 @@
           <a:p>
             <a:fld id="{C305A0AB-23E8-4A51-91B4-702FCACBB0A5}" type="datetime1">
               <a:rPr lang="en-US" smtClean="0"/>
-              <a:t>23/5/2022</a:t>
+              <a:t>5/24/22</a:t>
             </a:fld>
             <a:endParaRPr lang="en-US"/>
           </a:p>
@@ -6094,7 +6066,7 @@
           <a:p>
             <a:fld id="{C378E77C-D990-41DD-9328-6F9675EA6A64}" type="datetime1">
               <a:rPr lang="en-US" smtClean="0"/>
-              <a:t>23/5/2022</a:t>
+              <a:t>5/24/22</a:t>
             </a:fld>
             <a:endParaRPr lang="en-US"/>
           </a:p>
@@ -6353,7 +6325,7 @@
           <a:p>
             <a:fld id="{9D82F995-7601-41DC-9600-3C3C013832B3}" type="datetime1">
               <a:rPr lang="en-US" smtClean="0"/>
-              <a:t>23/5/2022</a:t>
+              <a:t>5/24/22</a:t>
             </a:fld>
             <a:endParaRPr lang="en-US"/>
           </a:p>
@@ -6728,7 +6700,7 @@
           <a:p>
             <a:fld id="{4FAAF977-43DF-4317-8950-74495B9D03F2}" type="datetime1">
               <a:rPr lang="en-US" smtClean="0"/>
-              <a:t>23/5/2022</a:t>
+              <a:t>5/24/22</a:t>
             </a:fld>
             <a:endParaRPr lang="en-US"/>
           </a:p>
@@ -6856,7 +6828,7 @@
           <a:p>
             <a:fld id="{A2344D4B-8A1F-4EDF-8612-1CC6383C83C0}" type="datetime1">
               <a:rPr lang="en-US" smtClean="0"/>
-              <a:t>23/5/2022</a:t>
+              <a:t>5/24/22</a:t>
             </a:fld>
             <a:endParaRPr lang="en-US"/>
           </a:p>
@@ -6962,7 +6934,7 @@
           <a:p>
             <a:fld id="{BCA3CA5B-0F67-490E-A3C8-70236293A910}" type="datetime1">
               <a:rPr lang="en-US" smtClean="0"/>
-              <a:t>23/5/2022</a:t>
+              <a:t>5/24/22</a:t>
             </a:fld>
             <a:endParaRPr lang="en-US"/>
           </a:p>
@@ -7248,7 +7220,7 @@
           <a:p>
             <a:fld id="{6392B965-F539-4E14-8503-4F2CEA4D1A82}" type="datetime1">
               <a:rPr lang="en-US" smtClean="0"/>
-              <a:t>23/5/2022</a:t>
+              <a:t>5/24/22</a:t>
             </a:fld>
             <a:endParaRPr lang="en-US"/>
           </a:p>
@@ -7511,7 +7483,7 @@
           <a:p>
             <a:fld id="{0833472C-7923-4482-8063-A2AFD9BE693E}" type="datetime1">
               <a:rPr lang="en-US" smtClean="0"/>
-              <a:t>23/5/2022</a:t>
+              <a:t>5/24/22</a:t>
             </a:fld>
             <a:endParaRPr lang="en-US"/>
           </a:p>
@@ -7728,7 +7700,7 @@
           <a:p>
             <a:fld id="{1A1913D5-9F81-4509-BF7D-65CF3617E15A}" type="datetime1">
               <a:rPr lang="en-US" smtClean="0"/>
-              <a:t>23/5/2022</a:t>
+              <a:t>5/24/22</a:t>
             </a:fld>
             <a:endParaRPr lang="en-US"/>
           </a:p>
@@ -8185,7 +8157,7 @@
               </a:lnSpc>
             </a:pPr>
             <a:r>
-              <a:rPr lang="en-US" sz="4200" b="1" dirty="0" smtClean="0">
+              <a:rPr lang="en-US" sz="4200" b="1" dirty="0">
                 <a:solidFill>
                   <a:srgbClr val="FFFF00"/>
                 </a:solidFill>
@@ -8202,7 +8174,7 @@
               </a:lnSpc>
             </a:pPr>
             <a:r>
-              <a:rPr lang="en-US" sz="3000" dirty="0" smtClean="0">
+              <a:rPr lang="en-US" sz="3000" dirty="0">
                 <a:solidFill>
                   <a:schemeClr val="bg1">
                     <a:lumMod val="95000"/>
@@ -8211,29 +8183,8 @@
                 <a:latin typeface="Arial" panose="020B0604020202020204" pitchFamily="34" charset="0"/>
                 <a:cs typeface="Arial" panose="020B0604020202020204" pitchFamily="34" charset="0"/>
               </a:rPr>
-              <a:t>Group </a:t>
-            </a:r>
-            <a:r>
-              <a:rPr lang="en-US" sz="3000" dirty="0" smtClean="0">
-                <a:solidFill>
-                  <a:schemeClr val="bg1">
-                    <a:lumMod val="95000"/>
-                  </a:schemeClr>
-                </a:solidFill>
-                <a:latin typeface="Arial" panose="020B0604020202020204" pitchFamily="34" charset="0"/>
-                <a:cs typeface="Arial" panose="020B0604020202020204" pitchFamily="34" charset="0"/>
-              </a:rPr>
-              <a:t>3</a:t>
-            </a:r>
-            <a:endParaRPr lang="en-US" sz="3000" dirty="0">
-              <a:solidFill>
-                <a:schemeClr val="bg1">
-                  <a:lumMod val="95000"/>
-                </a:schemeClr>
-              </a:solidFill>
-              <a:latin typeface="Arial" panose="020B0604020202020204" pitchFamily="34" charset="0"/>
-              <a:cs typeface="Arial" panose="020B0604020202020204" pitchFamily="34" charset="0"/>
-            </a:endParaRPr>
+              <a:t>Group 3</a:t>
+            </a:r>
           </a:p>
         </p:txBody>
       </p:sp>
@@ -8278,7 +8229,18 @@
   <p:clrMapOvr>
     <a:masterClrMapping/>
   </p:clrMapOvr>
-  <p:transition/>
+  <mc:AlternateContent xmlns:mc="http://schemas.openxmlformats.org/markup-compatibility/2006">
+    <mc:Choice xmlns:p14="http://schemas.microsoft.com/office/powerpoint/2010/main" Requires="p14">
+      <p:transition spd="med" p14:dur="700">
+        <p:fade/>
+      </p:transition>
+    </mc:Choice>
+    <mc:Fallback>
+      <p:transition spd="med">
+        <p:fade/>
+      </p:transition>
+    </mc:Fallback>
+  </mc:AlternateContent>
 </p:sld>
 </file>
 
@@ -8323,7 +8285,7 @@
               <a:lstStyle/>
               <a:p>
                 <a:r>
-                  <a:rPr lang="en-US" b="1" dirty="0" smtClean="0">
+                  <a:rPr lang="en-US" b="1" dirty="0">
                     <a:latin typeface="Arial" panose="020B0604020202020204" pitchFamily="34" charset="0"/>
                     <a:cs typeface="Arial" panose="020B0604020202020204" pitchFamily="34" charset="0"/>
                   </a:rPr>
@@ -8332,14 +8294,14 @@
               </a:p>
               <a:p>
                 <a:r>
-                  <a:rPr lang="en-US" dirty="0" smtClean="0">
+                  <a:rPr lang="en-US" dirty="0">
                     <a:latin typeface="Arial" panose="020B0604020202020204" pitchFamily="34" charset="0"/>
                     <a:cs typeface="Arial" panose="020B0604020202020204" pitchFamily="34" charset="0"/>
                   </a:rPr>
                   <a:t>• Without  </a:t>
                 </a:r>
                 <a:r>
-                  <a:rPr lang="en-US" dirty="0" err="1" smtClean="0">
+                  <a:rPr lang="en-US" dirty="0" err="1">
                     <a:latin typeface="Arial" panose="020B0604020202020204" pitchFamily="34" charset="0"/>
                     <a:cs typeface="Arial" panose="020B0604020202020204" pitchFamily="34" charset="0"/>
                   </a:rPr>
@@ -8350,28 +8312,7 @@
                     <a:latin typeface="Arial" panose="020B0604020202020204" pitchFamily="34" charset="0"/>
                     <a:cs typeface="Arial" panose="020B0604020202020204" pitchFamily="34" charset="0"/>
                   </a:rPr>
-                  <a:t>, the labor market is in </a:t>
-                </a:r>
-                <a:r>
-                  <a:rPr lang="en-US" dirty="0" smtClean="0">
-                    <a:latin typeface="Arial" panose="020B0604020202020204" pitchFamily="34" charset="0"/>
-                    <a:cs typeface="Arial" panose="020B0604020202020204" pitchFamily="34" charset="0"/>
-                  </a:rPr>
-                  <a:t>competitive equilibrium </a:t>
-                </a:r>
-                <a:r>
-                  <a:rPr lang="en-US" dirty="0">
-                    <a:latin typeface="Arial" panose="020B0604020202020204" pitchFamily="34" charset="0"/>
-                    <a:cs typeface="Arial" panose="020B0604020202020204" pitchFamily="34" charset="0"/>
-                  </a:rPr>
-                  <a:t>at point X, the intersection </a:t>
-                </a:r>
-                <a:r>
-                  <a:rPr lang="en-US" dirty="0" smtClean="0">
-                    <a:latin typeface="Arial" panose="020B0604020202020204" pitchFamily="34" charset="0"/>
-                    <a:cs typeface="Arial" panose="020B0604020202020204" pitchFamily="34" charset="0"/>
-                  </a:rPr>
-                  <a:t>of </a:t>
+                  <a:t>, the labor market is in competitive equilibrium at point X, the intersection of </a:t>
                 </a:r>
                 <a14:m>
                   <m:oMath xmlns:m="http://schemas.openxmlformats.org/officeDocument/2006/math">
@@ -8406,7 +8347,7 @@
                   </m:oMath>
                 </a14:m>
                 <a:r>
-                  <a:rPr lang="en-US" dirty="0" smtClean="0">
+                  <a:rPr lang="en-US" dirty="0">
                     <a:latin typeface="Arial" panose="020B0604020202020204" pitchFamily="34" charset="0"/>
                     <a:cs typeface="Arial" panose="020B0604020202020204" pitchFamily="34" charset="0"/>
                   </a:rPr>
@@ -8445,18 +8386,11 @@
                   </m:oMath>
                 </a14:m>
                 <a:r>
-                  <a:rPr lang="en-US" dirty="0" smtClean="0">
-                    <a:latin typeface="Arial" panose="020B0604020202020204" pitchFamily="34" charset="0"/>
-                    <a:cs typeface="Arial" panose="020B0604020202020204" pitchFamily="34" charset="0"/>
-                  </a:rPr>
-                  <a:t>. </a:t>
-                </a:r>
-                <a:r>
                   <a:rPr lang="en-US" dirty="0">
                     <a:latin typeface="Arial" panose="020B0604020202020204" pitchFamily="34" charset="0"/>
                     <a:cs typeface="Arial" panose="020B0604020202020204" pitchFamily="34" charset="0"/>
                   </a:rPr>
-                  <a:t>When </a:t>
+                  <a:t>. When </a:t>
                 </a:r>
                 <a:r>
                   <a:rPr lang="en-US" dirty="0" err="1">
@@ -8470,28 +8404,7 @@
                     <a:latin typeface="Arial" panose="020B0604020202020204" pitchFamily="34" charset="0"/>
                     <a:cs typeface="Arial" panose="020B0604020202020204" pitchFamily="34" charset="0"/>
                   </a:rPr>
-                  <a:t> is introduced, </a:t>
-                </a:r>
-                <a:r>
-                  <a:rPr lang="en-US" dirty="0" smtClean="0">
-                    <a:latin typeface="Arial" panose="020B0604020202020204" pitchFamily="34" charset="0"/>
-                    <a:cs typeface="Arial" panose="020B0604020202020204" pitchFamily="34" charset="0"/>
-                  </a:rPr>
-                  <a:t>labor </a:t>
-                </a:r>
-                <a:r>
-                  <a:rPr lang="en-US" dirty="0">
-                    <a:latin typeface="Arial" panose="020B0604020202020204" pitchFamily="34" charset="0"/>
-                    <a:cs typeface="Arial" panose="020B0604020202020204" pitchFamily="34" charset="0"/>
-                  </a:rPr>
-                  <a:t>supply falls </a:t>
-                </a:r>
-                <a:r>
-                  <a:rPr lang="en-US" dirty="0" smtClean="0">
-                    <a:latin typeface="Arial" panose="020B0604020202020204" pitchFamily="34" charset="0"/>
-                    <a:cs typeface="Arial" panose="020B0604020202020204" pitchFamily="34" charset="0"/>
-                  </a:rPr>
-                  <a:t>to</a:t>
+                  <a:t> is introduced, labor supply falls to</a:t>
                 </a:r>
                 <a14:m>
                   <m:oMath xmlns:m="http://schemas.openxmlformats.org/officeDocument/2006/math">
@@ -8533,88 +8446,11 @@
                   </m:oMath>
                 </a14:m>
                 <a:r>
-                  <a:rPr lang="en-US" dirty="0" smtClean="0">
-                    <a:latin typeface="Arial" panose="020B0604020202020204" pitchFamily="34" charset="0"/>
-                    <a:cs typeface="Arial" panose="020B0604020202020204" pitchFamily="34" charset="0"/>
-                  </a:rPr>
-                  <a:t>, </a:t>
-                </a:r>
-                <a:r>
                   <a:rPr lang="en-US" dirty="0">
                     <a:latin typeface="Arial" panose="020B0604020202020204" pitchFamily="34" charset="0"/>
                     <a:cs typeface="Arial" panose="020B0604020202020204" pitchFamily="34" charset="0"/>
                   </a:rPr>
-                  <a:t>and the market </a:t>
-                </a:r>
-                <a:r>
-                  <a:rPr lang="en-US" dirty="0" smtClean="0">
-                    <a:latin typeface="Arial" panose="020B0604020202020204" pitchFamily="34" charset="0"/>
-                    <a:cs typeface="Arial" panose="020B0604020202020204" pitchFamily="34" charset="0"/>
-                  </a:rPr>
-                  <a:t>moves </a:t>
-                </a:r>
-                <a:r>
-                  <a:rPr lang="en-US" dirty="0">
-                    <a:latin typeface="Arial" panose="020B0604020202020204" pitchFamily="34" charset="0"/>
-                    <a:cs typeface="Arial" panose="020B0604020202020204" pitchFamily="34" charset="0"/>
-                  </a:rPr>
-                  <a:t>to a new equilibrium at point Y, </a:t>
-                </a:r>
-                <a:r>
-                  <a:rPr lang="en-US" dirty="0" smtClean="0">
-                    <a:latin typeface="Arial" panose="020B0604020202020204" pitchFamily="34" charset="0"/>
-                    <a:cs typeface="Arial" panose="020B0604020202020204" pitchFamily="34" charset="0"/>
-                  </a:rPr>
-                  <a:t>creating </a:t>
-                </a:r>
-                <a:r>
-                  <a:rPr lang="en-US" dirty="0">
-                    <a:latin typeface="Arial" panose="020B0604020202020204" pitchFamily="34" charset="0"/>
-                    <a:cs typeface="Arial" panose="020B0604020202020204" pitchFamily="34" charset="0"/>
-                  </a:rPr>
-                  <a:t>a deadweight loss of A </a:t>
-                </a:r>
-                <a:r>
-                  <a:rPr lang="en-US" dirty="0" smtClean="0">
-                    <a:latin typeface="Arial" panose="020B0604020202020204" pitchFamily="34" charset="0"/>
-                    <a:cs typeface="Arial" panose="020B0604020202020204" pitchFamily="34" charset="0"/>
-                  </a:rPr>
-                  <a:t>+ </a:t>
-                </a:r>
-                <a:r>
-                  <a:rPr lang="en-US" dirty="0">
-                    <a:latin typeface="Arial" panose="020B0604020202020204" pitchFamily="34" charset="0"/>
-                    <a:cs typeface="Arial" panose="020B0604020202020204" pitchFamily="34" charset="0"/>
-                  </a:rPr>
-                  <a:t>B </a:t>
-                </a:r>
-                <a:r>
-                  <a:rPr lang="en-US" dirty="0" smtClean="0">
-                    <a:latin typeface="Arial" panose="020B0604020202020204" pitchFamily="34" charset="0"/>
-                    <a:cs typeface="Arial" panose="020B0604020202020204" pitchFamily="34" charset="0"/>
-                  </a:rPr>
-                  <a:t>+ C + </a:t>
-                </a:r>
-                <a:r>
-                  <a:rPr lang="en-US" dirty="0">
-                    <a:latin typeface="Arial" panose="020B0604020202020204" pitchFamily="34" charset="0"/>
-                    <a:cs typeface="Arial" panose="020B0604020202020204" pitchFamily="34" charset="0"/>
-                  </a:rPr>
-                  <a:t>D </a:t>
-                </a:r>
-                <a:r>
-                  <a:rPr lang="en-US" dirty="0" smtClean="0">
-                    <a:latin typeface="Arial" panose="020B0604020202020204" pitchFamily="34" charset="0"/>
-                    <a:cs typeface="Arial" panose="020B0604020202020204" pitchFamily="34" charset="0"/>
-                  </a:rPr>
-                  <a:t>+ </a:t>
-                </a:r>
-                <a:r>
-                  <a:rPr lang="en-US" dirty="0">
-                    <a:latin typeface="Arial" panose="020B0604020202020204" pitchFamily="34" charset="0"/>
-                    <a:cs typeface="Arial" panose="020B0604020202020204" pitchFamily="34" charset="0"/>
-                  </a:rPr>
-                  <a:t>E. When </a:t>
+                  <a:t>, and the market moves to a new equilibrium at point Y, creating a deadweight loss of A + B + C + D + E. When </a:t>
                 </a:r>
                 <a:r>
                   <a:rPr lang="en-US" dirty="0" err="1">
@@ -8628,21 +8464,7 @@
                     <a:latin typeface="Arial" panose="020B0604020202020204" pitchFamily="34" charset="0"/>
                     <a:cs typeface="Arial" panose="020B0604020202020204" pitchFamily="34" charset="0"/>
                   </a:rPr>
-                  <a:t> benefits are </a:t>
-                </a:r>
-                <a:r>
-                  <a:rPr lang="en-US" dirty="0" smtClean="0">
-                    <a:latin typeface="Arial" panose="020B0604020202020204" pitchFamily="34" charset="0"/>
-                    <a:cs typeface="Arial" panose="020B0604020202020204" pitchFamily="34" charset="0"/>
-                  </a:rPr>
-                  <a:t>reduced</a:t>
-                </a:r>
-                <a:r>
-                  <a:rPr lang="en-US" dirty="0">
-                    <a:latin typeface="Arial" panose="020B0604020202020204" pitchFamily="34" charset="0"/>
-                    <a:cs typeface="Arial" panose="020B0604020202020204" pitchFamily="34" charset="0"/>
-                  </a:rPr>
-                  <a:t>, supply increases to S3, and </a:t>
+                  <a:t> benefits are reduced, supply increases to S3, and </a:t>
                 </a:r>
               </a:p>
               <a:p>
@@ -8651,35 +8473,7 @@
                     <a:latin typeface="Arial" panose="020B0604020202020204" pitchFamily="34" charset="0"/>
                     <a:cs typeface="Arial" panose="020B0604020202020204" pitchFamily="34" charset="0"/>
                   </a:rPr>
-                  <a:t>social efficiency rises by A </a:t>
-                </a:r>
-                <a:r>
-                  <a:rPr lang="en-US" dirty="0" smtClean="0">
-                    <a:latin typeface="Arial" panose="020B0604020202020204" pitchFamily="34" charset="0"/>
-                    <a:cs typeface="Arial" panose="020B0604020202020204" pitchFamily="34" charset="0"/>
-                  </a:rPr>
-                  <a:t>+ </a:t>
-                </a:r>
-                <a:r>
-                  <a:rPr lang="en-US" dirty="0">
-                    <a:latin typeface="Arial" panose="020B0604020202020204" pitchFamily="34" charset="0"/>
-                    <a:cs typeface="Arial" panose="020B0604020202020204" pitchFamily="34" charset="0"/>
-                  </a:rPr>
-                  <a:t>B </a:t>
-                </a:r>
-                <a:r>
-                  <a:rPr lang="en-US" dirty="0" smtClean="0">
-                    <a:latin typeface="Arial" panose="020B0604020202020204" pitchFamily="34" charset="0"/>
-                    <a:cs typeface="Arial" panose="020B0604020202020204" pitchFamily="34" charset="0"/>
-                  </a:rPr>
-                  <a:t>+ </a:t>
-                </a:r>
-                <a:r>
-                  <a:rPr lang="en-US" dirty="0">
-                    <a:latin typeface="Arial" panose="020B0604020202020204" pitchFamily="34" charset="0"/>
-                    <a:cs typeface="Arial" panose="020B0604020202020204" pitchFamily="34" charset="0"/>
-                  </a:rPr>
-                  <a:t>C.</a:t>
+                  <a:t>social efficiency rises by A + B + C.</a:t>
                 </a:r>
               </a:p>
             </p:txBody>
@@ -8821,13 +8615,18 @@
   <p:clrMapOvr>
     <a:masterClrMapping/>
   </p:clrMapOvr>
-  <p:timing>
-    <p:tnLst>
-      <p:par>
-        <p:cTn id="1" dur="indefinite" restart="never" nodeType="tmRoot"/>
-      </p:par>
-    </p:tnLst>
-  </p:timing>
+  <mc:AlternateContent xmlns:mc="http://schemas.openxmlformats.org/markup-compatibility/2006">
+    <mc:Choice xmlns:p14="http://schemas.microsoft.com/office/powerpoint/2010/main" Requires="p14">
+      <p:transition spd="med" p14:dur="700">
+        <p:fade/>
+      </p:transition>
+    </mc:Choice>
+    <mc:Fallback>
+      <p:transition spd="med">
+        <p:fade/>
+      </p:transition>
+    </mc:Fallback>
+  </mc:AlternateContent>
 </p:sld>
 </file>
 
@@ -8870,116 +8669,25 @@
           <a:lstStyle/>
           <a:p>
             <a:r>
-              <a:rPr lang="en-US" dirty="0" smtClean="0">
-                <a:latin typeface="Arial" panose="020B0604020202020204" pitchFamily="34" charset="0"/>
-                <a:cs typeface="Arial" panose="020B0604020202020204" pitchFamily="34" charset="0"/>
-              </a:rPr>
-              <a:t>Given </a:t>
-            </a:r>
-            <a:r>
               <a:rPr lang="en-US" dirty="0">
                 <a:latin typeface="Arial" panose="020B0604020202020204" pitchFamily="34" charset="0"/>
                 <a:cs typeface="Arial" panose="020B0604020202020204" pitchFamily="34" charset="0"/>
               </a:rPr>
-              <a:t>this large efficiency gain, why not cut TANF benefits? Indeed, </a:t>
-            </a:r>
-            <a:r>
-              <a:rPr lang="en-US" dirty="0" smtClean="0">
+              <a:t>Given this large efficiency gain, why not cut TANF benefits? Indeed, why have the TANF program at all? As just noted, governments have programs such as TANF because their citizens care not only about efficiency but also about equity, the fair distribution of resources in society. For many </a:t>
+            </a:r>
+            <a:r>
+              <a:rPr lang="en-US" dirty="0" err="1">
                 <a:latin typeface="Arial" panose="020B0604020202020204" pitchFamily="34" charset="0"/>
                 <a:cs typeface="Arial" panose="020B0604020202020204" pitchFamily="34" charset="0"/>
               </a:rPr>
-              <a:t>why </a:t>
+              <a:t>specifications</a:t>
             </a:r>
             <a:r>
               <a:rPr lang="en-US" dirty="0">
                 <a:latin typeface="Arial" panose="020B0604020202020204" pitchFamily="34" charset="0"/>
                 <a:cs typeface="Arial" panose="020B0604020202020204" pitchFamily="34" charset="0"/>
               </a:rPr>
-              <a:t>have the TANF program at all? As just noted, governments have programs </a:t>
-            </a:r>
-            <a:r>
-              <a:rPr lang="en-US" dirty="0" smtClean="0">
-                <a:latin typeface="Arial" panose="020B0604020202020204" pitchFamily="34" charset="0"/>
-                <a:cs typeface="Arial" panose="020B0604020202020204" pitchFamily="34" charset="0"/>
-              </a:rPr>
-              <a:t>such </a:t>
-            </a:r>
-            <a:r>
-              <a:rPr lang="en-US" dirty="0">
-                <a:latin typeface="Arial" panose="020B0604020202020204" pitchFamily="34" charset="0"/>
-                <a:cs typeface="Arial" panose="020B0604020202020204" pitchFamily="34" charset="0"/>
-              </a:rPr>
-              <a:t>as TANF because </a:t>
-            </a:r>
-            <a:r>
-              <a:rPr lang="en-US" dirty="0" smtClean="0">
-                <a:latin typeface="Arial" panose="020B0604020202020204" pitchFamily="34" charset="0"/>
-                <a:cs typeface="Arial" panose="020B0604020202020204" pitchFamily="34" charset="0"/>
-              </a:rPr>
-              <a:t>their citizens </a:t>
-            </a:r>
-            <a:r>
-              <a:rPr lang="en-US" dirty="0">
-                <a:latin typeface="Arial" panose="020B0604020202020204" pitchFamily="34" charset="0"/>
-                <a:cs typeface="Arial" panose="020B0604020202020204" pitchFamily="34" charset="0"/>
-              </a:rPr>
-              <a:t>care not only about efficiency but also </a:t>
-            </a:r>
-            <a:r>
-              <a:rPr lang="en-US" dirty="0" smtClean="0">
-                <a:latin typeface="Arial" panose="020B0604020202020204" pitchFamily="34" charset="0"/>
-                <a:cs typeface="Arial" panose="020B0604020202020204" pitchFamily="34" charset="0"/>
-              </a:rPr>
-              <a:t>about </a:t>
-            </a:r>
-            <a:r>
-              <a:rPr lang="en-US" dirty="0">
-                <a:latin typeface="Arial" panose="020B0604020202020204" pitchFamily="34" charset="0"/>
-                <a:cs typeface="Arial" panose="020B0604020202020204" pitchFamily="34" charset="0"/>
-              </a:rPr>
-              <a:t>equity, the fair distribution of resources in society. For </a:t>
-            </a:r>
-            <a:r>
-              <a:rPr lang="en-US" dirty="0" smtClean="0">
-                <a:latin typeface="Arial" panose="020B0604020202020204" pitchFamily="34" charset="0"/>
-                <a:cs typeface="Arial" panose="020B0604020202020204" pitchFamily="34" charset="0"/>
-              </a:rPr>
-              <a:t>many </a:t>
-            </a:r>
-            <a:r>
-              <a:rPr lang="en-US" dirty="0" err="1" smtClean="0">
-                <a:latin typeface="Arial" panose="020B0604020202020204" pitchFamily="34" charset="0"/>
-                <a:cs typeface="Arial" panose="020B0604020202020204" pitchFamily="34" charset="0"/>
-              </a:rPr>
-              <a:t>specifica</a:t>
-            </a:r>
-            <a:r>
-              <a:rPr lang="en-US" dirty="0" err="1">
-                <a:latin typeface="Arial" panose="020B0604020202020204" pitchFamily="34" charset="0"/>
-                <a:cs typeface="Arial" panose="020B0604020202020204" pitchFamily="34" charset="0"/>
-              </a:rPr>
-              <a:t>tions</a:t>
-            </a:r>
-            <a:r>
-              <a:rPr lang="en-US" dirty="0">
-                <a:latin typeface="Arial" panose="020B0604020202020204" pitchFamily="34" charset="0"/>
-                <a:cs typeface="Arial" panose="020B0604020202020204" pitchFamily="34" charset="0"/>
-              </a:rPr>
-              <a:t> of social welfare, the competitive equilibrium, while being the social </a:t>
-            </a:r>
-            <a:r>
-              <a:rPr lang="en-US" dirty="0" smtClean="0">
-                <a:latin typeface="Arial" panose="020B0604020202020204" pitchFamily="34" charset="0"/>
-                <a:cs typeface="Arial" panose="020B0604020202020204" pitchFamily="34" charset="0"/>
-              </a:rPr>
-              <a:t>efficiency-maximizing </a:t>
-            </a:r>
-            <a:r>
-              <a:rPr lang="en-US" dirty="0">
-                <a:latin typeface="Arial" panose="020B0604020202020204" pitchFamily="34" charset="0"/>
-                <a:cs typeface="Arial" panose="020B0604020202020204" pitchFamily="34" charset="0"/>
-              </a:rPr>
-              <a:t>point, may not be the social welfare-maximizing point.</a:t>
+              <a:t> of social welfare, the competitive equilibrium, while being the social efficiency-maximizing point, may not be the social welfare-maximizing point.</a:t>
             </a:r>
           </a:p>
         </p:txBody>
@@ -9007,7 +8715,7 @@
           <a:p>
             <a:pPr lvl="0" algn="ctr"/>
             <a:r>
-              <a:rPr lang="en-CA" sz="4000" b="1" dirty="0" smtClean="0">
+              <a:rPr lang="en-CA" sz="4000" b="1" dirty="0">
                 <a:ln w="1905"/>
                 <a:gradFill>
                   <a:gsLst>
@@ -9147,13 +8855,18 @@
   <p:clrMapOvr>
     <a:masterClrMapping/>
   </p:clrMapOvr>
-  <p:timing>
-    <p:tnLst>
-      <p:par>
-        <p:cTn id="1" dur="indefinite" restart="never" nodeType="tmRoot"/>
-      </p:par>
-    </p:tnLst>
-  </p:timing>
+  <mc:AlternateContent xmlns:mc="http://schemas.openxmlformats.org/markup-compatibility/2006">
+    <mc:Choice xmlns:p14="http://schemas.microsoft.com/office/powerpoint/2010/main" Requires="p14">
+      <p:transition spd="med" p14:dur="700">
+        <p:fade/>
+      </p:transition>
+    </mc:Choice>
+    <mc:Fallback>
+      <p:transition spd="med">
+        <p:fade/>
+      </p:transition>
+    </mc:Fallback>
+  </mc:AlternateContent>
 </p:sld>
 </file>
 
@@ -9226,7 +8939,7 @@
               </a:lnSpc>
             </a:pPr>
             <a:r>
-              <a:rPr lang="en-US" sz="5000" b="1" dirty="0" smtClean="0">
+              <a:rPr lang="en-US" sz="5000" b="1" dirty="0">
                 <a:solidFill>
                   <a:schemeClr val="bg1">
                     <a:lumMod val="95000"/>
@@ -9237,15 +8950,6 @@
               </a:rPr>
               <a:t>4. Size-Maximizing Bureaucracy</a:t>
             </a:r>
-            <a:endParaRPr lang="en-US" sz="5000" b="1" dirty="0">
-              <a:solidFill>
-                <a:schemeClr val="bg1">
-                  <a:lumMod val="95000"/>
-                </a:schemeClr>
-              </a:solidFill>
-              <a:latin typeface="Arial" panose="020B0604020202020204" pitchFamily="34" charset="0"/>
-              <a:cs typeface="Arial" panose="020B0604020202020204" pitchFamily="34" charset="0"/>
-            </a:endParaRPr>
           </a:p>
         </p:txBody>
       </p:sp>
@@ -9290,7 +8994,18 @@
   <p:clrMapOvr>
     <a:masterClrMapping/>
   </p:clrMapOvr>
-  <p:transition/>
+  <mc:AlternateContent xmlns:mc="http://schemas.openxmlformats.org/markup-compatibility/2006">
+    <mc:Choice xmlns:p14="http://schemas.microsoft.com/office/powerpoint/2010/main" Requires="p14">
+      <p:transition spd="med" p14:dur="700">
+        <p:fade/>
+      </p:transition>
+    </mc:Choice>
+    <mc:Fallback>
+      <p:transition spd="med">
+        <p:fade/>
+      </p:transition>
+    </mc:Fallback>
+  </mc:AlternateContent>
 </p:sld>
 </file>
 
@@ -9368,14 +9083,14 @@
               </a:lnSpc>
             </a:pPr>
             <a:r>
-              <a:rPr lang="en-US" sz="3000" dirty="0" smtClean="0">
+              <a:rPr lang="en-US" sz="3000" dirty="0">
                 <a:latin typeface="Arial" panose="020B0604020202020204" pitchFamily="34" charset="0"/>
                 <a:cs typeface="Arial" panose="020B0604020202020204" pitchFamily="34" charset="0"/>
               </a:rPr>
               <a:t>Most of the lesson, we assume that Government operates in a way that </a:t>
             </a:r>
             <a:r>
-              <a:rPr lang="en-US" sz="3000" b="1" dirty="0" smtClean="0">
+              <a:rPr lang="en-US" sz="3000" b="1" dirty="0">
                 <a:latin typeface="Arial" panose="020B0604020202020204" pitchFamily="34" charset="0"/>
                 <a:cs typeface="Arial" panose="020B0604020202020204" pitchFamily="34" charset="0"/>
               </a:rPr>
@@ -9400,7 +9115,7 @@
               </a:lnSpc>
             </a:pPr>
             <a:r>
-              <a:rPr lang="en-US" sz="3000" dirty="0" smtClean="0">
+              <a:rPr lang="en-US" sz="3000" dirty="0">
                 <a:latin typeface="Arial" panose="020B0604020202020204" pitchFamily="34" charset="0"/>
                 <a:cs typeface="Arial" panose="020B0604020202020204" pitchFamily="34" charset="0"/>
               </a:rPr>
@@ -9414,7 +9129,7 @@
               </a:lnSpc>
             </a:pPr>
             <a:r>
-              <a:rPr lang="en-US" sz="3000" dirty="0" smtClean="0">
+              <a:rPr lang="en-US" sz="3000" dirty="0">
                 <a:latin typeface="Arial" panose="020B0604020202020204" pitchFamily="34" charset="0"/>
                 <a:cs typeface="Arial" panose="020B0604020202020204" pitchFamily="34" charset="0"/>
                 <a:sym typeface="Wingdings" panose="05000000000000000000" pitchFamily="2" charset="2"/>
@@ -9422,7 +9137,7 @@
               <a:t> </a:t>
             </a:r>
             <a:r>
-              <a:rPr lang="en-US" sz="3000" i="1" dirty="0" smtClean="0">
+              <a:rPr lang="en-US" sz="3000" i="1" dirty="0">
                 <a:latin typeface="Arial" panose="020B0604020202020204" pitchFamily="34" charset="0"/>
                 <a:cs typeface="Arial" panose="020B0604020202020204" pitchFamily="34" charset="0"/>
                 <a:sym typeface="Wingdings" panose="05000000000000000000" pitchFamily="2" charset="2"/>
@@ -9469,6 +9184,18 @@
   <p:clrMapOvr>
     <a:masterClrMapping/>
   </p:clrMapOvr>
+  <mc:AlternateContent xmlns:mc="http://schemas.openxmlformats.org/markup-compatibility/2006">
+    <mc:Choice xmlns:p14="http://schemas.microsoft.com/office/powerpoint/2010/main" Requires="p14">
+      <p:transition spd="med" p14:dur="700">
+        <p:fade/>
+      </p:transition>
+    </mc:Choice>
+    <mc:Fallback>
+      <p:transition spd="med">
+        <p:fade/>
+      </p:transition>
+    </mc:Fallback>
+  </mc:AlternateContent>
 </p:sld>
 </file>
 
@@ -9546,7 +9273,7 @@
               </a:lnSpc>
             </a:pPr>
             <a:r>
-              <a:rPr lang="en-US" sz="2700" b="1" dirty="0" smtClean="0">
+              <a:rPr lang="en-US" sz="2700" b="1" dirty="0">
                 <a:solidFill>
                   <a:srgbClr val="7030A0"/>
                 </a:solidFill>
@@ -9556,7 +9283,7 @@
               <a:t>Government failures</a:t>
             </a:r>
             <a:r>
-              <a:rPr lang="en-US" sz="2700" dirty="0" smtClean="0">
+              <a:rPr lang="en-US" sz="2700" dirty="0">
                 <a:latin typeface="Arial" panose="020B0604020202020204" pitchFamily="34" charset="0"/>
                 <a:cs typeface="Arial" panose="020B0604020202020204" pitchFamily="34" charset="0"/>
               </a:rPr>
@@ -9572,7 +9299,7 @@
               <a:buChar char="•"/>
             </a:pPr>
             <a:r>
-              <a:rPr lang="en-US" sz="2700" dirty="0" smtClean="0">
+              <a:rPr lang="en-US" sz="2700" dirty="0">
                 <a:latin typeface="Arial" panose="020B0604020202020204" pitchFamily="34" charset="0"/>
                 <a:cs typeface="Arial" panose="020B0604020202020204" pitchFamily="34" charset="0"/>
               </a:rPr>
@@ -9600,7 +9327,7 @@
               <a:t>interest of its citizens</a:t>
             </a:r>
             <a:r>
-              <a:rPr lang="en-US" sz="2700" dirty="0" smtClean="0">
+              <a:rPr lang="en-US" sz="2700" dirty="0">
                 <a:latin typeface="Arial" panose="020B0604020202020204" pitchFamily="34" charset="0"/>
                 <a:cs typeface="Arial" panose="020B0604020202020204" pitchFamily="34" charset="0"/>
               </a:rPr>
@@ -9618,7 +9345,7 @@
               </a:lnSpc>
             </a:pPr>
             <a:r>
-              <a:rPr lang="en-US" sz="2700" b="1" dirty="0" smtClean="0">
+              <a:rPr lang="en-US" sz="2700" b="1" dirty="0">
                 <a:solidFill>
                   <a:srgbClr val="7030A0"/>
                 </a:solidFill>
@@ -9628,7 +9355,7 @@
               <a:t>Sources of government failure </a:t>
             </a:r>
             <a:r>
-              <a:rPr lang="en-US" sz="2700" dirty="0" smtClean="0">
+              <a:rPr lang="en-US" sz="2700" dirty="0">
                 <a:latin typeface="Arial" panose="020B0604020202020204" pitchFamily="34" charset="0"/>
                 <a:cs typeface="Arial" panose="020B0604020202020204" pitchFamily="34" charset="0"/>
               </a:rPr>
@@ -9644,7 +9371,7 @@
               <a:buChar char="•"/>
             </a:pPr>
             <a:r>
-              <a:rPr lang="en-US" sz="2700" dirty="0" smtClean="0">
+              <a:rPr lang="en-US" sz="2700" dirty="0">
                 <a:latin typeface="Arial" panose="020B0604020202020204" pitchFamily="34" charset="0"/>
                 <a:cs typeface="Arial" panose="020B0604020202020204" pitchFamily="34" charset="0"/>
                 <a:sym typeface="Wingdings" panose="05000000000000000000" pitchFamily="2" charset="2"/>
@@ -9661,7 +9388,7 @@
               <a:buChar char="•"/>
             </a:pPr>
             <a:r>
-              <a:rPr lang="en-US" sz="2700" dirty="0" smtClean="0">
+              <a:rPr lang="en-US" sz="2700" dirty="0">
                 <a:latin typeface="Arial" panose="020B0604020202020204" pitchFamily="34" charset="0"/>
                 <a:cs typeface="Arial" panose="020B0604020202020204" pitchFamily="34" charset="0"/>
                 <a:sym typeface="Wingdings" panose="05000000000000000000" pitchFamily="2" charset="2"/>
@@ -9678,7 +9405,7 @@
               <a:buChar char="•"/>
             </a:pPr>
             <a:r>
-              <a:rPr lang="en-US" sz="2700" dirty="0" smtClean="0">
+              <a:rPr lang="en-US" sz="2700" dirty="0">
                 <a:latin typeface="Arial" panose="020B0604020202020204" pitchFamily="34" charset="0"/>
                 <a:cs typeface="Arial" panose="020B0604020202020204" pitchFamily="34" charset="0"/>
                 <a:sym typeface="Wingdings" panose="05000000000000000000" pitchFamily="2" charset="2"/>
@@ -9734,6 +9461,18 @@
   <p:clrMapOvr>
     <a:masterClrMapping/>
   </p:clrMapOvr>
+  <mc:AlternateContent xmlns:mc="http://schemas.openxmlformats.org/markup-compatibility/2006">
+    <mc:Choice xmlns:p14="http://schemas.microsoft.com/office/powerpoint/2010/main" Requires="p14">
+      <p:transition spd="med" p14:dur="700">
+        <p:fade/>
+      </p:transition>
+    </mc:Choice>
+    <mc:Fallback>
+      <p:transition spd="med">
+        <p:fade/>
+      </p:transition>
+    </mc:Fallback>
+  </mc:AlternateContent>
 </p:sld>
 </file>
 
@@ -9809,6 +9548,18 @@
   <p:clrMapOvr>
     <a:masterClrMapping/>
   </p:clrMapOvr>
+  <mc:AlternateContent xmlns:mc="http://schemas.openxmlformats.org/markup-compatibility/2006">
+    <mc:Choice xmlns:p14="http://schemas.microsoft.com/office/powerpoint/2010/main" Requires="p14">
+      <p:transition spd="med" p14:dur="700">
+        <p:fade/>
+      </p:transition>
+    </mc:Choice>
+    <mc:Fallback>
+      <p:transition spd="med">
+        <p:fade/>
+      </p:transition>
+    </mc:Fallback>
+  </mc:AlternateContent>
 </p:sld>
 </file>
 
@@ -9857,7 +9608,7 @@
               </a:lnSpc>
             </a:pPr>
             <a:r>
-              <a:rPr lang="en-US" sz="2700" b="1" dirty="0" smtClean="0">
+              <a:rPr lang="en-US" sz="2700" b="1" dirty="0">
                 <a:solidFill>
                   <a:srgbClr val="7030A0"/>
                 </a:solidFill>
@@ -9881,14 +9632,14 @@
               <a:t>(William </a:t>
             </a:r>
             <a:r>
-              <a:rPr lang="en-US" sz="1500" i="1" dirty="0" err="1" smtClean="0">
+              <a:rPr lang="en-US" sz="1500" i="1" dirty="0" err="1">
                 <a:latin typeface="Arial" panose="020B0604020202020204" pitchFamily="34" charset="0"/>
                 <a:cs typeface="Arial" panose="020B0604020202020204" pitchFamily="34" charset="0"/>
               </a:rPr>
               <a:t>Niskanen</a:t>
             </a:r>
             <a:r>
-              <a:rPr lang="en-US" sz="1500" i="1" dirty="0" smtClean="0">
+              <a:rPr lang="en-US" sz="1500" i="1" dirty="0">
                 <a:latin typeface="Arial" panose="020B0604020202020204" pitchFamily="34" charset="0"/>
                 <a:cs typeface="Arial" panose="020B0604020202020204" pitchFamily="34" charset="0"/>
               </a:rPr>
@@ -9902,28 +9653,14 @@
               </a:lnSpc>
             </a:pPr>
             <a:r>
-              <a:rPr lang="en-US" sz="2700" dirty="0" smtClean="0">
+              <a:rPr lang="en-US" sz="2700" dirty="0">
                 <a:latin typeface="Arial" panose="020B0604020202020204" pitchFamily="34" charset="0"/>
                 <a:cs typeface="Arial" panose="020B0604020202020204" pitchFamily="34" charset="0"/>
               </a:rPr>
-              <a:t>Bureaucracy </a:t>
-            </a:r>
-            <a:r>
-              <a:rPr lang="en-US" sz="2700" dirty="0" err="1" smtClean="0">
-                <a:latin typeface="Arial" panose="020B0604020202020204" pitchFamily="34" charset="0"/>
-                <a:cs typeface="Arial" panose="020B0604020202020204" pitchFamily="34" charset="0"/>
-              </a:rPr>
-              <a:t>prioritise</a:t>
-            </a:r>
-            <a:r>
-              <a:rPr lang="en-US" sz="2700" dirty="0" smtClean="0">
-                <a:latin typeface="Arial" panose="020B0604020202020204" pitchFamily="34" charset="0"/>
-                <a:cs typeface="Arial" panose="020B0604020202020204" pitchFamily="34" charset="0"/>
-              </a:rPr>
-              <a:t> maximizing its own budget, over </a:t>
-            </a:r>
-            <a:r>
-              <a:rPr lang="en-US" sz="2700" i="1" dirty="0" smtClean="0">
+              <a:t>Bureaucracy prioritize maximizing its own budget, over </a:t>
+            </a:r>
+            <a:r>
+              <a:rPr lang="en-US" sz="2700" i="1" dirty="0">
                 <a:latin typeface="Arial" panose="020B0604020202020204" pitchFamily="34" charset="0"/>
                 <a:cs typeface="Arial" panose="020B0604020202020204" pitchFamily="34" charset="0"/>
               </a:rPr>
@@ -9939,25 +9676,11 @@
               <a:buChar char="•"/>
             </a:pPr>
             <a:r>
-              <a:rPr lang="en-US" sz="2700" dirty="0" smtClean="0">
-                <a:latin typeface="Arial" panose="020B0604020202020204" pitchFamily="34" charset="0"/>
-                <a:cs typeface="Arial" panose="020B0604020202020204" pitchFamily="34" charset="0"/>
-              </a:rPr>
-              <a:t>The </a:t>
-            </a:r>
-            <a:r>
               <a:rPr lang="en-US" sz="2700" dirty="0">
                 <a:latin typeface="Arial" panose="020B0604020202020204" pitchFamily="34" charset="0"/>
                 <a:cs typeface="Arial" panose="020B0604020202020204" pitchFamily="34" charset="0"/>
               </a:rPr>
-              <a:t>more services the department supplies, the higher will its budget </a:t>
-            </a:r>
-            <a:r>
-              <a:rPr lang="en-US" sz="2700" dirty="0" smtClean="0">
-                <a:latin typeface="Arial" panose="020B0604020202020204" pitchFamily="34" charset="0"/>
-                <a:cs typeface="Arial" panose="020B0604020202020204" pitchFamily="34" charset="0"/>
-              </a:rPr>
-              <a:t>be</a:t>
+              <a:t>The more services the department supplies, the higher will its budget be</a:t>
             </a:r>
           </a:p>
           <a:p>
@@ -9969,30 +9692,26 @@
               <a:buChar char="•"/>
             </a:pPr>
             <a:r>
-              <a:rPr lang="en-US" sz="2700" dirty="0" smtClean="0">
+              <a:rPr lang="en-US" sz="2700" dirty="0">
                 <a:latin typeface="Arial" panose="020B0604020202020204" pitchFamily="34" charset="0"/>
                 <a:cs typeface="Arial" panose="020B0604020202020204" pitchFamily="34" charset="0"/>
               </a:rPr>
               <a:t>Takes on inefficient project, where the </a:t>
             </a:r>
             <a:r>
-              <a:rPr lang="en-US" sz="2700" b="1" dirty="0" smtClean="0">
+              <a:rPr lang="en-US" sz="2700" b="1" dirty="0">
                 <a:latin typeface="Arial" panose="020B0604020202020204" pitchFamily="34" charset="0"/>
                 <a:cs typeface="Arial" panose="020B0604020202020204" pitchFamily="34" charset="0"/>
               </a:rPr>
               <a:t>marginal benefit is lower than marginal cost </a:t>
             </a:r>
             <a:r>
-              <a:rPr lang="en-US" sz="2200" dirty="0" smtClean="0">
+              <a:rPr lang="en-US" sz="2200" dirty="0">
                 <a:latin typeface="Arial" panose="020B0604020202020204" pitchFamily="34" charset="0"/>
                 <a:cs typeface="Arial" panose="020B0604020202020204" pitchFamily="34" charset="0"/>
               </a:rPr>
               <a:t>(project with huge budget but only a tiny amount of benefit)</a:t>
             </a:r>
-            <a:endParaRPr lang="en-US" sz="2200" dirty="0">
-              <a:latin typeface="Arial" panose="020B0604020202020204" pitchFamily="34" charset="0"/>
-              <a:cs typeface="Arial" panose="020B0604020202020204" pitchFamily="34" charset="0"/>
-            </a:endParaRPr>
           </a:p>
           <a:p>
             <a:pPr marL="457200" indent="-457200">
@@ -10042,6 +9761,18 @@
   <p:clrMapOvr>
     <a:masterClrMapping/>
   </p:clrMapOvr>
+  <mc:AlternateContent xmlns:mc="http://schemas.openxmlformats.org/markup-compatibility/2006">
+    <mc:Choice xmlns:p14="http://schemas.microsoft.com/office/powerpoint/2010/main" Requires="p14">
+      <p:transition spd="med" p14:dur="700">
+        <p:fade/>
+      </p:transition>
+    </mc:Choice>
+    <mc:Fallback>
+      <p:transition spd="med">
+        <p:fade/>
+      </p:transition>
+    </mc:Fallback>
+  </mc:AlternateContent>
 </p:sld>
 </file>
 
@@ -10090,7 +9821,7 @@
               </a:lnSpc>
             </a:pPr>
             <a:r>
-              <a:rPr lang="en-US" sz="2700" b="1" dirty="0" smtClean="0">
+              <a:rPr lang="en-US" sz="2700" b="1" dirty="0">
                 <a:solidFill>
                   <a:srgbClr val="7030A0"/>
                 </a:solidFill>
@@ -10100,7 +9831,7 @@
               <a:t>Size-Maximizing Bureaucracy</a:t>
             </a:r>
             <a:r>
-              <a:rPr lang="en-US" sz="2700" dirty="0" smtClean="0">
+              <a:rPr lang="en-US" sz="2700" dirty="0">
                 <a:latin typeface="Arial" panose="020B0604020202020204" pitchFamily="34" charset="0"/>
                 <a:cs typeface="Arial" panose="020B0604020202020204" pitchFamily="34" charset="0"/>
               </a:rPr>
@@ -10118,14 +9849,7 @@
                 <a:latin typeface="Arial" panose="020B0604020202020204" pitchFamily="34" charset="0"/>
                 <a:cs typeface="Arial" panose="020B0604020202020204" pitchFamily="34" charset="0"/>
               </a:rPr>
-              <a:t>In other </a:t>
-            </a:r>
-            <a:r>
-              <a:rPr lang="en-US" sz="2700" dirty="0" smtClean="0">
-                <a:latin typeface="Arial" panose="020B0604020202020204" pitchFamily="34" charset="0"/>
-                <a:cs typeface="Arial" panose="020B0604020202020204" pitchFamily="34" charset="0"/>
-              </a:rPr>
-              <a:t>words:</a:t>
+              <a:t>In other words:</a:t>
             </a:r>
           </a:p>
           <a:p>
@@ -10137,14 +9861,14 @@
               <a:buChar char="•"/>
             </a:pPr>
             <a:r>
-              <a:rPr lang="en-US" sz="2700" dirty="0" smtClean="0">
+              <a:rPr lang="en-US" sz="2700" dirty="0">
                 <a:latin typeface="Arial" panose="020B0604020202020204" pitchFamily="34" charset="0"/>
                 <a:cs typeface="Arial" panose="020B0604020202020204" pitchFamily="34" charset="0"/>
               </a:rPr>
               <a:t>Normal firms expand until </a:t>
             </a:r>
             <a:r>
-              <a:rPr lang="en-US" sz="2700" b="1" dirty="0" smtClean="0">
+              <a:rPr lang="en-US" sz="2700" b="1" dirty="0">
                 <a:latin typeface="Arial" panose="020B0604020202020204" pitchFamily="34" charset="0"/>
                 <a:cs typeface="Arial" panose="020B0604020202020204" pitchFamily="34" charset="0"/>
               </a:rPr>
@@ -10160,21 +9884,21 @@
               <a:buChar char="•"/>
             </a:pPr>
             <a:r>
-              <a:rPr lang="en-US" sz="2700" dirty="0" smtClean="0">
+              <a:rPr lang="en-US" sz="2700" dirty="0">
                 <a:latin typeface="Arial" panose="020B0604020202020204" pitchFamily="34" charset="0"/>
                 <a:cs typeface="Arial" panose="020B0604020202020204" pitchFamily="34" charset="0"/>
               </a:rPr>
               <a:t>While for Bureaucracies, </a:t>
             </a:r>
             <a:r>
-              <a:rPr lang="en-US" sz="2700" b="1" dirty="0" smtClean="0">
+              <a:rPr lang="en-US" sz="2700" b="1" dirty="0">
                 <a:latin typeface="Arial" panose="020B0604020202020204" pitchFamily="34" charset="0"/>
                 <a:cs typeface="Arial" panose="020B0604020202020204" pitchFamily="34" charset="0"/>
               </a:rPr>
               <a:t>Total cost = Total benefit </a:t>
             </a:r>
             <a:r>
-              <a:rPr lang="en-US" sz="2700" dirty="0" smtClean="0">
+              <a:rPr lang="en-US" sz="2700" dirty="0">
                 <a:latin typeface="Arial" panose="020B0604020202020204" pitchFamily="34" charset="0"/>
                 <a:cs typeface="Arial" panose="020B0604020202020204" pitchFamily="34" charset="0"/>
               </a:rPr>
@@ -10188,7 +9912,7 @@
               </a:lnSpc>
             </a:pPr>
             <a:r>
-              <a:rPr lang="en-US" sz="2000" i="1" dirty="0" smtClean="0">
+              <a:rPr lang="en-US" sz="2000" i="1" dirty="0">
                 <a:latin typeface="Arial" panose="020B0604020202020204" pitchFamily="34" charset="0"/>
                 <a:cs typeface="Arial" panose="020B0604020202020204" pitchFamily="34" charset="0"/>
               </a:rPr>
@@ -10213,7 +9937,7 @@
               </a:lnSpc>
             </a:pPr>
             <a:r>
-              <a:rPr lang="en-US" sz="2000" i="1" dirty="0" smtClean="0">
+              <a:rPr lang="en-US" sz="2000" i="1" dirty="0">
                 <a:latin typeface="Arial" panose="020B0604020202020204" pitchFamily="34" charset="0"/>
                 <a:cs typeface="Arial" panose="020B0604020202020204" pitchFamily="34" charset="0"/>
               </a:rPr>
@@ -10281,6 +10005,18 @@
   <p:clrMapOvr>
     <a:masterClrMapping/>
   </p:clrMapOvr>
+  <mc:AlternateContent xmlns:mc="http://schemas.openxmlformats.org/markup-compatibility/2006">
+    <mc:Choice xmlns:p14="http://schemas.microsoft.com/office/powerpoint/2010/main" Requires="p14">
+      <p:transition spd="med" p14:dur="700">
+        <p:fade/>
+      </p:transition>
+    </mc:Choice>
+    <mc:Fallback>
+      <p:transition spd="med">
+        <p:fade/>
+      </p:transition>
+    </mc:Fallback>
+  </mc:AlternateContent>
 </p:sld>
 </file>
 
@@ -10336,19 +10072,8 @@
                 <a:latin typeface="Arial" panose="020B0604020202020204" pitchFamily="34" charset="0"/>
                 <a:cs typeface="Arial" panose="020B0604020202020204" pitchFamily="34" charset="0"/>
               </a:rPr>
-              <a:t> theory assumes that individual bureaucrats try to maximize the size of their own agencies and that a larger government tries to rein them in</a:t>
-            </a:r>
-            <a:r>
-              <a:rPr lang="en-US" i="1" spc="-150" dirty="0" smtClean="0">
-                <a:latin typeface="Arial" panose="020B0604020202020204" pitchFamily="34" charset="0"/>
-                <a:cs typeface="Arial" panose="020B0604020202020204" pitchFamily="34" charset="0"/>
-              </a:rPr>
-              <a:t>.</a:t>
-            </a:r>
-            <a:endParaRPr lang="en-US" i="1" spc="-150" dirty="0">
-              <a:latin typeface="Arial" panose="020B0604020202020204" pitchFamily="34" charset="0"/>
-              <a:cs typeface="Arial" panose="020B0604020202020204" pitchFamily="34" charset="0"/>
-            </a:endParaRPr>
+              <a:t> theory assumes that individual bureaucrats try to maximize the size of their own agencies and that a larger government tries to rein them in.</a:t>
+            </a:r>
           </a:p>
         </p:txBody>
       </p:sp>
@@ -10409,7 +10134,7 @@
           <a:p>
             <a:pPr algn="ctr"/>
             <a:r>
-              <a:rPr lang="en-US" sz="4400" b="1" cap="none" spc="0" dirty="0" smtClean="0">
+              <a:rPr lang="en-US" sz="4400" b="1" cap="none" spc="0" dirty="0">
                 <a:ln w="1905"/>
                 <a:gradFill>
                   <a:gsLst>
@@ -10447,42 +10172,6 @@
               </a:rPr>
               <a:t>5. Leviathan theory</a:t>
             </a:r>
-            <a:endParaRPr lang="en-US" sz="4400" b="1" cap="none" spc="0" dirty="0">
-              <a:ln w="1905"/>
-              <a:gradFill>
-                <a:gsLst>
-                  <a:gs pos="0">
-                    <a:schemeClr val="accent6">
-                      <a:shade val="20000"/>
-                      <a:satMod val="200000"/>
-                    </a:schemeClr>
-                  </a:gs>
-                  <a:gs pos="78000">
-                    <a:schemeClr val="accent6">
-                      <a:tint val="90000"/>
-                      <a:shade val="89000"/>
-                      <a:satMod val="220000"/>
-                    </a:schemeClr>
-                  </a:gs>
-                  <a:gs pos="100000">
-                    <a:schemeClr val="accent6">
-                      <a:tint val="12000"/>
-                      <a:satMod val="255000"/>
-                    </a:schemeClr>
-                  </a:gs>
-                </a:gsLst>
-                <a:lin ang="5400000"/>
-              </a:gradFill>
-              <a:effectLst>
-                <a:innerShdw blurRad="69850" dist="43180" dir="5400000">
-                  <a:srgbClr val="000000">
-                    <a:alpha val="65000"/>
-                  </a:srgbClr>
-                </a:innerShdw>
-              </a:effectLst>
-              <a:latin typeface="Arial" panose="020B0604020202020204" pitchFamily="34" charset="0"/>
-              <a:cs typeface="Arial" panose="020B0604020202020204" pitchFamily="34" charset="0"/>
-            </a:endParaRPr>
           </a:p>
         </p:txBody>
       </p:sp>
@@ -10560,14 +10249,18 @@
   <p:clrMapOvr>
     <a:masterClrMapping/>
   </p:clrMapOvr>
-  <p:transition/>
-  <p:timing>
-    <p:tnLst>
-      <p:par>
-        <p:cTn id="1" dur="indefinite" restart="never" nodeType="tmRoot"/>
-      </p:par>
-    </p:tnLst>
-  </p:timing>
+  <mc:AlternateContent xmlns:mc="http://schemas.openxmlformats.org/markup-compatibility/2006">
+    <mc:Choice xmlns:p14="http://schemas.microsoft.com/office/powerpoint/2010/main" Requires="p14">
+      <p:transition spd="med" p14:dur="700">
+        <p:fade/>
+      </p:transition>
+    </mc:Choice>
+    <mc:Fallback>
+      <p:transition spd="med">
+        <p:fade/>
+      </p:transition>
+    </mc:Fallback>
+  </mc:AlternateContent>
 </p:sld>
 </file>
 
@@ -10757,13 +10450,18 @@
   <p:clrMapOvr>
     <a:masterClrMapping/>
   </p:clrMapOvr>
-  <p:timing>
-    <p:tnLst>
-      <p:par>
-        <p:cTn id="1" dur="indefinite" restart="never" nodeType="tmRoot"/>
-      </p:par>
-    </p:tnLst>
-  </p:timing>
+  <mc:AlternateContent xmlns:mc="http://schemas.openxmlformats.org/markup-compatibility/2006">
+    <mc:Choice xmlns:p14="http://schemas.microsoft.com/office/powerpoint/2010/main" Requires="p14">
+      <p:transition spd="med" p14:dur="700">
+        <p:fade/>
+      </p:transition>
+    </mc:Choice>
+    <mc:Fallback>
+      <p:transition spd="med">
+        <p:fade/>
+      </p:transition>
+    </mc:Fallback>
+  </mc:AlternateContent>
 </p:sld>
 </file>
 
@@ -10937,6 +10635,18 @@
   <p:clrMapOvr>
     <a:masterClrMapping/>
   </p:clrMapOvr>
+  <mc:AlternateContent xmlns:mc="http://schemas.openxmlformats.org/markup-compatibility/2006">
+    <mc:Choice xmlns:p14="http://schemas.microsoft.com/office/powerpoint/2010/main" Requires="p14">
+      <p:transition spd="med" p14:dur="700">
+        <p:fade/>
+      </p:transition>
+    </mc:Choice>
+    <mc:Fallback>
+      <p:transition spd="med">
+        <p:fade/>
+      </p:transition>
+    </mc:Fallback>
+  </mc:AlternateContent>
 </p:sld>
 </file>
 
@@ -11205,35 +10915,7 @@
                 <a:latin typeface="Arial" panose="020B0604020202020204" pitchFamily="34" charset="0"/>
                 <a:cs typeface="Arial" panose="020B0604020202020204" pitchFamily="34" charset="0"/>
               </a:rPr>
-              <a:t>There is no reason to have these types of “roadblocks” </a:t>
-            </a:r>
-            <a:r>
-              <a:rPr lang="en-US" i="1" spc="-150" dirty="0" smtClean="0">
-                <a:latin typeface="Arial" panose="020B0604020202020204" pitchFamily="34" charset="0"/>
-                <a:cs typeface="Arial" panose="020B0604020202020204" pitchFamily="34" charset="0"/>
-              </a:rPr>
-              <a:t>if a </a:t>
-            </a:r>
-            <a:r>
-              <a:rPr lang="en-US" i="1" spc="-150" dirty="0">
-                <a:latin typeface="Arial" panose="020B0604020202020204" pitchFamily="34" charset="0"/>
-                <a:cs typeface="Arial" panose="020B0604020202020204" pitchFamily="34" charset="0"/>
-              </a:rPr>
-              <a:t>benevolent government is maximizing social </a:t>
-            </a:r>
-            <a:r>
-              <a:rPr lang="en-US" i="1" spc="-150" dirty="0" smtClean="0">
-                <a:latin typeface="Arial" panose="020B0604020202020204" pitchFamily="34" charset="0"/>
-                <a:cs typeface="Arial" panose="020B0604020202020204" pitchFamily="34" charset="0"/>
-              </a:rPr>
-              <a:t>welfare, but </a:t>
-            </a:r>
-            <a:r>
-              <a:rPr lang="en-US" i="1" spc="-150" dirty="0">
-                <a:latin typeface="Arial" panose="020B0604020202020204" pitchFamily="34" charset="0"/>
-                <a:cs typeface="Arial" panose="020B0604020202020204" pitchFamily="34" charset="0"/>
-              </a:rPr>
-              <a:t>with a Leviathan government, they may be a means of putting a brake on inefficient government growth</a:t>
+              <a:t>There is no reason to have these types of “roadblocks” if a benevolent government is maximizing social welfare, but with a Leviathan government, they may be a means of putting a brake on inefficient government growth</a:t>
             </a:r>
           </a:p>
         </p:txBody>
@@ -11271,13 +10953,18 @@
   <p:clrMapOvr>
     <a:masterClrMapping/>
   </p:clrMapOvr>
-  <p:timing>
-    <p:tnLst>
-      <p:par>
-        <p:cTn id="1" dur="indefinite" restart="never" nodeType="tmRoot"/>
-      </p:par>
-    </p:tnLst>
-  </p:timing>
+  <mc:AlternateContent xmlns:mc="http://schemas.openxmlformats.org/markup-compatibility/2006">
+    <mc:Choice xmlns:p14="http://schemas.microsoft.com/office/powerpoint/2010/main" Requires="p14">
+      <p:transition spd="med" p14:dur="700">
+        <p:fade/>
+      </p:transition>
+    </mc:Choice>
+    <mc:Fallback>
+      <p:transition spd="med">
+        <p:fade/>
+      </p:transition>
+    </mc:Fallback>
+  </mc:AlternateContent>
 </p:sld>
 </file>
 
@@ -11339,19 +11026,8 @@
                 <a:latin typeface="Arial" panose="020B0604020202020204" pitchFamily="34" charset="0"/>
                 <a:cs typeface="Arial" panose="020B0604020202020204" pitchFamily="34" charset="0"/>
               </a:rPr>
-              <a:t> et al. (2005). These authors studied the impact of the increased “political competition” in the southern United States during the twentieth century due to the enfranchisement of blacks and other groups</a:t>
-            </a:r>
-            <a:r>
-              <a:rPr lang="en-US" spc="-150" dirty="0" smtClean="0">
-                <a:latin typeface="Arial" panose="020B0604020202020204" pitchFamily="34" charset="0"/>
-                <a:cs typeface="Arial" panose="020B0604020202020204" pitchFamily="34" charset="0"/>
-              </a:rPr>
-              <a:t>.</a:t>
-            </a:r>
-            <a:endParaRPr lang="en-US" spc="-150" dirty="0">
-              <a:latin typeface="Arial" panose="020B0604020202020204" pitchFamily="34" charset="0"/>
-              <a:cs typeface="Arial" panose="020B0604020202020204" pitchFamily="34" charset="0"/>
-            </a:endParaRPr>
+              <a:t> et al. (2005). These authors studied the impact of the increased “political competition” in the southern United States during the twentieth century due to the enfranchisement of blacks and other groups.</a:t>
+            </a:r>
           </a:p>
         </p:txBody>
       </p:sp>
@@ -11998,13 +11674,18 @@
   <p:clrMapOvr>
     <a:masterClrMapping/>
   </p:clrMapOvr>
-  <p:timing>
-    <p:tnLst>
-      <p:par>
-        <p:cTn id="1" dur="indefinite" restart="never" nodeType="tmRoot"/>
-      </p:par>
-    </p:tnLst>
-  </p:timing>
+  <mc:AlternateContent xmlns:mc="http://schemas.openxmlformats.org/markup-compatibility/2006">
+    <mc:Choice xmlns:p14="http://schemas.microsoft.com/office/powerpoint/2010/main" Requires="p14">
+      <p:transition spd="med" p14:dur="700">
+        <p:fade/>
+      </p:transition>
+    </mc:Choice>
+    <mc:Fallback>
+      <p:transition spd="med">
+        <p:fade/>
+      </p:transition>
+    </mc:Fallback>
+  </mc:AlternateContent>
 </p:sld>
 </file>
 
@@ -12090,7 +11771,7 @@
           <a:p>
             <a:pPr algn="ctr"/>
             <a:r>
-              <a:rPr lang="en-US" sz="4400" b="1" dirty="0" smtClean="0">
+              <a:rPr lang="en-US" sz="4400" b="1" dirty="0">
                 <a:ln w="1905"/>
                 <a:gradFill>
                   <a:gsLst>
@@ -12129,7 +11810,7 @@
               <a:t>6. </a:t>
             </a:r>
             <a:r>
-              <a:rPr lang="vi-VN" sz="4400" b="1" dirty="0" smtClean="0">
+              <a:rPr lang="vi-VN" sz="4400" b="1" dirty="0">
                 <a:ln w="1905"/>
                 <a:gradFill>
                   <a:gsLst>
@@ -12263,14 +11944,18 @@
   <p:clrMapOvr>
     <a:masterClrMapping/>
   </p:clrMapOvr>
-  <p:transition/>
-  <p:timing>
-    <p:tnLst>
-      <p:par>
-        <p:cTn id="1" dur="indefinite" restart="never" nodeType="tmRoot"/>
-      </p:par>
-    </p:tnLst>
-  </p:timing>
+  <mc:AlternateContent xmlns:mc="http://schemas.openxmlformats.org/markup-compatibility/2006">
+    <mc:Choice xmlns:p14="http://schemas.microsoft.com/office/powerpoint/2010/main" Requires="p14">
+      <p:transition spd="med" p14:dur="700">
+        <p:fade/>
+      </p:transition>
+    </mc:Choice>
+    <mc:Fallback>
+      <p:transition spd="med">
+        <p:fade/>
+      </p:transition>
+    </mc:Fallback>
+  </mc:AlternateContent>
 </p:sld>
 </file>
 
@@ -12381,14 +12066,7 @@
                 <a:latin typeface="Arial" panose="020B0604020202020204" pitchFamily="34" charset="0"/>
                 <a:cs typeface="Arial" panose="020B0604020202020204" pitchFamily="34" charset="0"/>
               </a:rPr>
-              <a:t>Corruption can take many forms, but the common theme is that government officials accept bribes or profit from public funds</a:t>
-            </a:r>
-            <a:r>
-              <a:rPr lang="en-US" dirty="0" smtClean="0">
-                <a:latin typeface="Arial" panose="020B0604020202020204" pitchFamily="34" charset="0"/>
-                <a:cs typeface="Arial" panose="020B0604020202020204" pitchFamily="34" charset="0"/>
-              </a:rPr>
-              <a:t>. </a:t>
+              <a:t>Corruption can take many forms, but the common theme is that government officials accept bribes or profit from public funds. </a:t>
             </a:r>
             <a:endParaRPr lang="en-US" i="1" spc="-150" dirty="0">
               <a:latin typeface="Arial" panose="020B0604020202020204" pitchFamily="34" charset="0"/>
@@ -12454,13 +12132,18 @@
   <p:clrMapOvr>
     <a:masterClrMapping/>
   </p:clrMapOvr>
-  <p:timing>
-    <p:tnLst>
-      <p:par>
-        <p:cTn id="1" dur="indefinite" restart="never" nodeType="tmRoot"/>
-      </p:par>
-    </p:tnLst>
-  </p:timing>
+  <mc:AlternateContent xmlns:mc="http://schemas.openxmlformats.org/markup-compatibility/2006">
+    <mc:Choice xmlns:p14="http://schemas.microsoft.com/office/powerpoint/2010/main" Requires="p14">
+      <p:transition spd="med" p14:dur="700">
+        <p:fade/>
+      </p:transition>
+    </mc:Choice>
+    <mc:Fallback>
+      <p:transition spd="med">
+        <p:fade/>
+      </p:transition>
+    </mc:Fallback>
+  </mc:AlternateContent>
 </p:sld>
 </file>
 
@@ -12731,13 +12414,18 @@
   <p:clrMapOvr>
     <a:masterClrMapping/>
   </p:clrMapOvr>
-  <p:timing>
-    <p:tnLst>
-      <p:par>
-        <p:cTn id="1" dur="indefinite" restart="never" nodeType="tmRoot"/>
-      </p:par>
-    </p:tnLst>
-  </p:timing>
+  <mc:AlternateContent xmlns:mc="http://schemas.openxmlformats.org/markup-compatibility/2006">
+    <mc:Choice xmlns:p14="http://schemas.microsoft.com/office/powerpoint/2010/main" Requires="p14">
+      <p:transition spd="med" p14:dur="700">
+        <p:fade/>
+      </p:transition>
+    </mc:Choice>
+    <mc:Fallback>
+      <p:transition spd="med">
+        <p:fade/>
+      </p:transition>
+    </mc:Fallback>
+  </mc:AlternateContent>
 </p:sld>
 </file>
 
@@ -12788,16 +12476,12 @@
               <a:t>Corruption also appears more rampant in political systems that feature more red tape, bureaucratic barriers that make it costly to do business in a country.</a:t>
             </a:r>
             <a:r>
-              <a:rPr lang="en-US" spc="-150" dirty="0" smtClean="0">
+              <a:rPr lang="en-US" spc="-150" dirty="0">
                 <a:latin typeface="Arial" panose="020B0604020202020204" pitchFamily="34" charset="0"/>
                 <a:cs typeface="Arial" panose="020B0604020202020204" pitchFamily="34" charset="0"/>
               </a:rPr>
               <a:t>.</a:t>
             </a:r>
-            <a:endParaRPr lang="en-US" spc="-150" dirty="0">
-              <a:latin typeface="Arial" panose="020B0604020202020204" pitchFamily="34" charset="0"/>
-              <a:cs typeface="Arial" panose="020B0604020202020204" pitchFamily="34" charset="0"/>
-            </a:endParaRPr>
           </a:p>
         </p:txBody>
       </p:sp>
@@ -13404,13 +13088,18 @@
   <p:clrMapOvr>
     <a:masterClrMapping/>
   </p:clrMapOvr>
-  <p:timing>
-    <p:tnLst>
-      <p:par>
-        <p:cTn id="1" dur="indefinite" restart="never" nodeType="tmRoot"/>
-      </p:par>
-    </p:tnLst>
-  </p:timing>
+  <mc:AlternateContent xmlns:mc="http://schemas.openxmlformats.org/markup-compatibility/2006">
+    <mc:Choice xmlns:p14="http://schemas.microsoft.com/office/powerpoint/2010/main" Requires="p14">
+      <p:transition spd="med" p14:dur="700">
+        <p:fade/>
+      </p:transition>
+    </mc:Choice>
+    <mc:Fallback>
+      <p:transition spd="med">
+        <p:fade/>
+      </p:transition>
+    </mc:Fallback>
+  </mc:AlternateContent>
 </p:sld>
 </file>
 
@@ -13800,6 +13489,18 @@
   <p:clrMapOvr>
     <a:masterClrMapping/>
   </p:clrMapOvr>
+  <mc:AlternateContent xmlns:mc="http://schemas.openxmlformats.org/markup-compatibility/2006">
+    <mc:Choice xmlns:p14="http://schemas.microsoft.com/office/powerpoint/2010/main" Requires="p14">
+      <p:transition spd="med" p14:dur="700">
+        <p:fade/>
+      </p:transition>
+    </mc:Choice>
+    <mc:Fallback>
+      <p:transition spd="med">
+        <p:fade/>
+      </p:transition>
+    </mc:Fallback>
+  </mc:AlternateContent>
 </p:sld>
 </file>
 
@@ -13962,6 +13663,18 @@
   <p:clrMapOvr>
     <a:masterClrMapping/>
   </p:clrMapOvr>
+  <mc:AlternateContent xmlns:mc="http://schemas.openxmlformats.org/markup-compatibility/2006">
+    <mc:Choice xmlns:p14="http://schemas.microsoft.com/office/powerpoint/2010/main" Requires="p14">
+      <p:transition spd="med" p14:dur="700">
+        <p:fade/>
+      </p:transition>
+    </mc:Choice>
+    <mc:Fallback>
+      <p:transition spd="med">
+        <p:fade/>
+      </p:transition>
+    </mc:Fallback>
+  </mc:AlternateContent>
 </p:sld>
 </file>
 
@@ -14146,6 +13859,18 @@
   <p:clrMapOvr>
     <a:masterClrMapping/>
   </p:clrMapOvr>
+  <mc:AlternateContent xmlns:mc="http://schemas.openxmlformats.org/markup-compatibility/2006">
+    <mc:Choice xmlns:p14="http://schemas.microsoft.com/office/powerpoint/2010/main" Requires="p14">
+      <p:transition spd="med" p14:dur="700">
+        <p:fade/>
+      </p:transition>
+    </mc:Choice>
+    <mc:Fallback>
+      <p:transition spd="med">
+        <p:fade/>
+      </p:transition>
+    </mc:Fallback>
+  </mc:AlternateContent>
 </p:sld>
 </file>
 
@@ -14381,6 +14106,18 @@
   <p:clrMapOvr>
     <a:masterClrMapping/>
   </p:clrMapOvr>
+  <mc:AlternateContent xmlns:mc="http://schemas.openxmlformats.org/markup-compatibility/2006">
+    <mc:Choice xmlns:p14="http://schemas.microsoft.com/office/powerpoint/2010/main" Requires="p14">
+      <p:transition spd="med" p14:dur="700">
+        <p:fade/>
+      </p:transition>
+    </mc:Choice>
+    <mc:Fallback>
+      <p:transition spd="med">
+        <p:fade/>
+      </p:transition>
+    </mc:Fallback>
+  </mc:AlternateContent>
 </p:sld>
 </file>
 
@@ -14542,6 +14279,18 @@
   <p:clrMapOvr>
     <a:masterClrMapping/>
   </p:clrMapOvr>
+  <mc:AlternateContent xmlns:mc="http://schemas.openxmlformats.org/markup-compatibility/2006">
+    <mc:Choice xmlns:p14="http://schemas.microsoft.com/office/powerpoint/2010/main" Requires="p14">
+      <p:transition spd="med" p14:dur="700">
+        <p:fade/>
+      </p:transition>
+    </mc:Choice>
+    <mc:Fallback>
+      <p:transition spd="med">
+        <p:fade/>
+      </p:transition>
+    </mc:Fallback>
+  </mc:AlternateContent>
 </p:sld>
 </file>
 
@@ -14674,7 +14423,7 @@
           <a:lstStyle/>
           <a:p>
             <a:r>
-              <a:rPr lang="en-CA" sz="3000" b="1" dirty="0" smtClean="0">
+              <a:rPr lang="en-CA" sz="3000" b="1" dirty="0">
                 <a:ln w="1905"/>
                 <a:gradFill>
                   <a:gsLst>
@@ -14715,7 +14464,7 @@
           </a:p>
           <a:p>
             <a:r>
-              <a:rPr lang="en-CA" sz="3000" b="1" cap="none" spc="0" dirty="0" smtClean="0">
+              <a:rPr lang="en-CA" sz="3000" b="1" cap="none" spc="0" dirty="0">
                 <a:ln w="1905"/>
                 <a:gradFill>
                   <a:gsLst>
@@ -14856,13 +14605,18 @@
   <p:clrMapOvr>
     <a:masterClrMapping/>
   </p:clrMapOvr>
-  <p:timing>
-    <p:tnLst>
-      <p:par>
-        <p:cTn id="1" dur="indefinite" restart="never" nodeType="tmRoot"/>
-      </p:par>
-    </p:tnLst>
-  </p:timing>
+  <mc:AlternateContent xmlns:mc="http://schemas.openxmlformats.org/markup-compatibility/2006">
+    <mc:Choice xmlns:p14="http://schemas.microsoft.com/office/powerpoint/2010/main" Requires="p14">
+      <p:transition spd="med" p14:dur="700">
+        <p:fade/>
+      </p:transition>
+    </mc:Choice>
+    <mc:Fallback>
+      <p:transition spd="med">
+        <p:fade/>
+      </p:transition>
+    </mc:Fallback>
+  </mc:AlternateContent>
 </p:sld>
 </file>
 
@@ -14905,18 +14659,11 @@
           <a:lstStyle/>
           <a:p>
             <a:r>
-              <a:rPr lang="en-US" dirty="0" smtClean="0">
-                <a:latin typeface="Arial" panose="020B0604020202020204" pitchFamily="34" charset="0"/>
-                <a:cs typeface="Arial" panose="020B0604020202020204" pitchFamily="34" charset="0"/>
-              </a:rPr>
-              <a:t>We </a:t>
-            </a:r>
-            <a:r>
               <a:rPr lang="en-US" dirty="0">
                 <a:latin typeface="Arial" panose="020B0604020202020204" pitchFamily="34" charset="0"/>
                 <a:cs typeface="Arial" panose="020B0604020202020204" pitchFamily="34" charset="0"/>
               </a:rPr>
-              <a:t>can apply the tools of welfare analysis to model the welfare </a:t>
+              <a:t>We can apply the tools of welfare analysis to model the welfare </a:t>
             </a:r>
             <a:r>
               <a:rPr lang="en-US" dirty="0" err="1">
@@ -14973,7 +14720,7 @@
           <a:p>
             <a:pPr algn="ctr"/>
             <a:r>
-              <a:rPr lang="en-CA" sz="5400" b="1" dirty="0" smtClean="0">
+              <a:rPr lang="en-CA" sz="5400" b="1" dirty="0">
                 <a:ln w="1905"/>
                 <a:gradFill>
                   <a:gsLst>
@@ -15113,13 +14860,18 @@
   <p:clrMapOvr>
     <a:masterClrMapping/>
   </p:clrMapOvr>
-  <p:timing>
-    <p:tnLst>
-      <p:par>
-        <p:cTn id="1" dur="indefinite" restart="never" nodeType="tmRoot"/>
-      </p:par>
-    </p:tnLst>
-  </p:timing>
+  <mc:AlternateContent xmlns:mc="http://schemas.openxmlformats.org/markup-compatibility/2006">
+    <mc:Choice xmlns:p14="http://schemas.microsoft.com/office/powerpoint/2010/main" Requires="p14">
+      <p:transition spd="med" p14:dur="700">
+        <p:fade/>
+      </p:transition>
+    </mc:Choice>
+    <mc:Fallback>
+      <p:transition spd="med">
+        <p:fade/>
+      </p:transition>
+    </mc:Fallback>
+  </mc:AlternateContent>
 </p:sld>
 </file>
 
